--- a/ppt 16-9/0422.生死线上.pptx
+++ b/ppt 16-9/0422.生死线上.pptx
@@ -5,7 +5,7 @@
     <p:sldMasterId id="2147483648" r:id="rId1"/>
   </p:sldMasterIdLst>
   <p:sldIdLst>
-    <p:sldId id="2900" r:id="rId2"/>
+    <p:sldId id="2901" r:id="rId2"/>
   </p:sldIdLst>
   <p:sldSz cx="12192000" cy="6858000"/>
   <p:notesSz cx="6858000" cy="9144000"/>
@@ -129,7 +129,7 @@
           <p:cNvPr id="2" name="标题 1">
             <a:extLst>
               <a:ext uri="{FF2B5EF4-FFF2-40B4-BE49-F238E27FC236}">
-                <a16:creationId xmlns:a16="http://schemas.microsoft.com/office/drawing/2014/main" id="{B06E5C13-5F23-3AC6-2179-6571BE228313}"/>
+                <a16:creationId xmlns:a16="http://schemas.microsoft.com/office/drawing/2014/main" id="{7DF58425-B077-CC85-202B-B8D8640CF530}"/>
               </a:ext>
             </a:extLst>
           </p:cNvPr>
@@ -166,7 +166,7 @@
           <p:cNvPr id="3" name="副标题 2">
             <a:extLst>
               <a:ext uri="{FF2B5EF4-FFF2-40B4-BE49-F238E27FC236}">
-                <a16:creationId xmlns:a16="http://schemas.microsoft.com/office/drawing/2014/main" id="{65CA0443-A9AB-1A7F-DB92-EC00F4E6633A}"/>
+                <a16:creationId xmlns:a16="http://schemas.microsoft.com/office/drawing/2014/main" id="{5976982C-F77E-B891-3543-4DF2F9D62AEF}"/>
               </a:ext>
             </a:extLst>
           </p:cNvPr>
@@ -236,7 +236,7 @@
           <p:cNvPr id="4" name="日期占位符 3">
             <a:extLst>
               <a:ext uri="{FF2B5EF4-FFF2-40B4-BE49-F238E27FC236}">
-                <a16:creationId xmlns:a16="http://schemas.microsoft.com/office/drawing/2014/main" id="{349023E9-4D85-6D67-7AB5-516A755F9F68}"/>
+                <a16:creationId xmlns:a16="http://schemas.microsoft.com/office/drawing/2014/main" id="{5AF949A5-15A9-8AA4-81CA-35A5AC2875FC}"/>
               </a:ext>
             </a:extLst>
           </p:cNvPr>
@@ -252,7 +252,7 @@
           <a:bodyPr/>
           <a:lstStyle/>
           <a:p>
-            <a:fld id="{2B78D1FD-E38E-40CD-B640-366317B19E61}" type="datetimeFigureOut">
+            <a:fld id="{873721EC-2D1A-4F30-8DCB-FD3648B95AE2}" type="datetimeFigureOut">
               <a:rPr lang="zh-CN" altLang="en-US" smtClean="0"/>
               <a:t>2024/3/10</a:t>
             </a:fld>
@@ -265,7 +265,7 @@
           <p:cNvPr id="5" name="页脚占位符 4">
             <a:extLst>
               <a:ext uri="{FF2B5EF4-FFF2-40B4-BE49-F238E27FC236}">
-                <a16:creationId xmlns:a16="http://schemas.microsoft.com/office/drawing/2014/main" id="{D751CF71-69D9-AB74-94EA-E319FF65E248}"/>
+                <a16:creationId xmlns:a16="http://schemas.microsoft.com/office/drawing/2014/main" id="{1CBD56BA-E34D-BDDD-CE43-38A471CA986A}"/>
               </a:ext>
             </a:extLst>
           </p:cNvPr>
@@ -290,7 +290,7 @@
           <p:cNvPr id="6" name="灯片编号占位符 5">
             <a:extLst>
               <a:ext uri="{FF2B5EF4-FFF2-40B4-BE49-F238E27FC236}">
-                <a16:creationId xmlns:a16="http://schemas.microsoft.com/office/drawing/2014/main" id="{7E79A796-E338-71F2-C26D-E17D1F6E75B7}"/>
+                <a16:creationId xmlns:a16="http://schemas.microsoft.com/office/drawing/2014/main" id="{DDF4B573-D7BE-ABC0-8685-DDE3519250C4}"/>
               </a:ext>
             </a:extLst>
           </p:cNvPr>
@@ -306,7 +306,7 @@
           <a:bodyPr/>
           <a:lstStyle/>
           <a:p>
-            <a:fld id="{A6C21640-FAED-4930-9CCF-36497B50AAB4}" type="slidenum">
+            <a:fld id="{6D801029-2E70-43AA-8523-ADCFD06D7D33}" type="slidenum">
               <a:rPr lang="zh-CN" altLang="en-US" smtClean="0"/>
               <a:t>‹#›</a:t>
             </a:fld>
@@ -317,7 +317,7 @@
     </p:spTree>
     <p:extLst>
       <p:ext uri="{BB962C8B-B14F-4D97-AF65-F5344CB8AC3E}">
-        <p14:creationId xmlns:p14="http://schemas.microsoft.com/office/powerpoint/2010/main" val="428901176"/>
+        <p14:creationId xmlns:p14="http://schemas.microsoft.com/office/powerpoint/2010/main" val="2786197286"/>
       </p:ext>
     </p:extLst>
   </p:cSld>
@@ -349,7 +349,7 @@
           <p:cNvPr id="2" name="标题 1">
             <a:extLst>
               <a:ext uri="{FF2B5EF4-FFF2-40B4-BE49-F238E27FC236}">
-                <a16:creationId xmlns:a16="http://schemas.microsoft.com/office/drawing/2014/main" id="{B8AF0132-8F8F-7FAF-EF2B-61C53B8C73DA}"/>
+                <a16:creationId xmlns:a16="http://schemas.microsoft.com/office/drawing/2014/main" id="{205BA127-D4E0-3920-F115-F60D76A6A67B}"/>
               </a:ext>
             </a:extLst>
           </p:cNvPr>
@@ -377,7 +377,7 @@
           <p:cNvPr id="3" name="竖排文字占位符 2">
             <a:extLst>
               <a:ext uri="{FF2B5EF4-FFF2-40B4-BE49-F238E27FC236}">
-                <a16:creationId xmlns:a16="http://schemas.microsoft.com/office/drawing/2014/main" id="{06392868-6119-E71F-DB54-29C2823599A9}"/>
+                <a16:creationId xmlns:a16="http://schemas.microsoft.com/office/drawing/2014/main" id="{44C47224-10F0-E2EC-9753-04950BD67FBE}"/>
               </a:ext>
             </a:extLst>
           </p:cNvPr>
@@ -434,7 +434,7 @@
           <p:cNvPr id="4" name="日期占位符 3">
             <a:extLst>
               <a:ext uri="{FF2B5EF4-FFF2-40B4-BE49-F238E27FC236}">
-                <a16:creationId xmlns:a16="http://schemas.microsoft.com/office/drawing/2014/main" id="{90E34285-80B3-93A5-54CA-0F2BE611FE02}"/>
+                <a16:creationId xmlns:a16="http://schemas.microsoft.com/office/drawing/2014/main" id="{98EA66E9-A520-D727-4432-0EB3D0871074}"/>
               </a:ext>
             </a:extLst>
           </p:cNvPr>
@@ -450,7 +450,7 @@
           <a:bodyPr/>
           <a:lstStyle/>
           <a:p>
-            <a:fld id="{2B78D1FD-E38E-40CD-B640-366317B19E61}" type="datetimeFigureOut">
+            <a:fld id="{873721EC-2D1A-4F30-8DCB-FD3648B95AE2}" type="datetimeFigureOut">
               <a:rPr lang="zh-CN" altLang="en-US" smtClean="0"/>
               <a:t>2024/3/10</a:t>
             </a:fld>
@@ -463,7 +463,7 @@
           <p:cNvPr id="5" name="页脚占位符 4">
             <a:extLst>
               <a:ext uri="{FF2B5EF4-FFF2-40B4-BE49-F238E27FC236}">
-                <a16:creationId xmlns:a16="http://schemas.microsoft.com/office/drawing/2014/main" id="{723A0E38-1891-91A4-92F9-F2604474921B}"/>
+                <a16:creationId xmlns:a16="http://schemas.microsoft.com/office/drawing/2014/main" id="{9BCBFC1C-F778-729B-8995-2DB37DB087E6}"/>
               </a:ext>
             </a:extLst>
           </p:cNvPr>
@@ -488,7 +488,7 @@
           <p:cNvPr id="6" name="灯片编号占位符 5">
             <a:extLst>
               <a:ext uri="{FF2B5EF4-FFF2-40B4-BE49-F238E27FC236}">
-                <a16:creationId xmlns:a16="http://schemas.microsoft.com/office/drawing/2014/main" id="{BDC5D59B-FD18-602C-1C7D-57865B921975}"/>
+                <a16:creationId xmlns:a16="http://schemas.microsoft.com/office/drawing/2014/main" id="{1A651D6D-26D5-3B57-DE38-B42AD83342D0}"/>
               </a:ext>
             </a:extLst>
           </p:cNvPr>
@@ -504,7 +504,7 @@
           <a:bodyPr/>
           <a:lstStyle/>
           <a:p>
-            <a:fld id="{A6C21640-FAED-4930-9CCF-36497B50AAB4}" type="slidenum">
+            <a:fld id="{6D801029-2E70-43AA-8523-ADCFD06D7D33}" type="slidenum">
               <a:rPr lang="zh-CN" altLang="en-US" smtClean="0"/>
               <a:t>‹#›</a:t>
             </a:fld>
@@ -515,7 +515,7 @@
     </p:spTree>
     <p:extLst>
       <p:ext uri="{BB962C8B-B14F-4D97-AF65-F5344CB8AC3E}">
-        <p14:creationId xmlns:p14="http://schemas.microsoft.com/office/powerpoint/2010/main" val="155675693"/>
+        <p14:creationId xmlns:p14="http://schemas.microsoft.com/office/powerpoint/2010/main" val="4272209987"/>
       </p:ext>
     </p:extLst>
   </p:cSld>
@@ -547,7 +547,7 @@
           <p:cNvPr id="2" name="竖排标题 1">
             <a:extLst>
               <a:ext uri="{FF2B5EF4-FFF2-40B4-BE49-F238E27FC236}">
-                <a16:creationId xmlns:a16="http://schemas.microsoft.com/office/drawing/2014/main" id="{26710C67-7E1F-427B-18F8-4F42F3104172}"/>
+                <a16:creationId xmlns:a16="http://schemas.microsoft.com/office/drawing/2014/main" id="{C87D5B32-4E00-B38B-ED4C-F8E2AF480452}"/>
               </a:ext>
             </a:extLst>
           </p:cNvPr>
@@ -580,7 +580,7 @@
           <p:cNvPr id="3" name="竖排文字占位符 2">
             <a:extLst>
               <a:ext uri="{FF2B5EF4-FFF2-40B4-BE49-F238E27FC236}">
-                <a16:creationId xmlns:a16="http://schemas.microsoft.com/office/drawing/2014/main" id="{C7D5A976-6462-EC69-E5BF-A0CEBF80331F}"/>
+                <a16:creationId xmlns:a16="http://schemas.microsoft.com/office/drawing/2014/main" id="{1A6E496F-D61D-540B-EADB-3C19D6AB7529}"/>
               </a:ext>
             </a:extLst>
           </p:cNvPr>
@@ -642,7 +642,7 @@
           <p:cNvPr id="4" name="日期占位符 3">
             <a:extLst>
               <a:ext uri="{FF2B5EF4-FFF2-40B4-BE49-F238E27FC236}">
-                <a16:creationId xmlns:a16="http://schemas.microsoft.com/office/drawing/2014/main" id="{CFB833B5-8730-731F-5994-DAD860FA4ED9}"/>
+                <a16:creationId xmlns:a16="http://schemas.microsoft.com/office/drawing/2014/main" id="{2F4F959A-7D68-7797-71B9-0E958EC90889}"/>
               </a:ext>
             </a:extLst>
           </p:cNvPr>
@@ -658,7 +658,7 @@
           <a:bodyPr/>
           <a:lstStyle/>
           <a:p>
-            <a:fld id="{2B78D1FD-E38E-40CD-B640-366317B19E61}" type="datetimeFigureOut">
+            <a:fld id="{873721EC-2D1A-4F30-8DCB-FD3648B95AE2}" type="datetimeFigureOut">
               <a:rPr lang="zh-CN" altLang="en-US" smtClean="0"/>
               <a:t>2024/3/10</a:t>
             </a:fld>
@@ -671,7 +671,7 @@
           <p:cNvPr id="5" name="页脚占位符 4">
             <a:extLst>
               <a:ext uri="{FF2B5EF4-FFF2-40B4-BE49-F238E27FC236}">
-                <a16:creationId xmlns:a16="http://schemas.microsoft.com/office/drawing/2014/main" id="{D2C5BBE3-513B-2768-0A03-4BBC4268F85C}"/>
+                <a16:creationId xmlns:a16="http://schemas.microsoft.com/office/drawing/2014/main" id="{B37163A0-FD8E-3B2D-895D-8527129C8388}"/>
               </a:ext>
             </a:extLst>
           </p:cNvPr>
@@ -696,7 +696,7 @@
           <p:cNvPr id="6" name="灯片编号占位符 5">
             <a:extLst>
               <a:ext uri="{FF2B5EF4-FFF2-40B4-BE49-F238E27FC236}">
-                <a16:creationId xmlns:a16="http://schemas.microsoft.com/office/drawing/2014/main" id="{E7748343-7421-A1E7-BD52-8024A473DFA4}"/>
+                <a16:creationId xmlns:a16="http://schemas.microsoft.com/office/drawing/2014/main" id="{D8B225B6-F526-8A9E-CCD7-921BDC3193E8}"/>
               </a:ext>
             </a:extLst>
           </p:cNvPr>
@@ -712,7 +712,7 @@
           <a:bodyPr/>
           <a:lstStyle/>
           <a:p>
-            <a:fld id="{A6C21640-FAED-4930-9CCF-36497B50AAB4}" type="slidenum">
+            <a:fld id="{6D801029-2E70-43AA-8523-ADCFD06D7D33}" type="slidenum">
               <a:rPr lang="zh-CN" altLang="en-US" smtClean="0"/>
               <a:t>‹#›</a:t>
             </a:fld>
@@ -723,7 +723,7 @@
     </p:spTree>
     <p:extLst>
       <p:ext uri="{BB962C8B-B14F-4D97-AF65-F5344CB8AC3E}">
-        <p14:creationId xmlns:p14="http://schemas.microsoft.com/office/powerpoint/2010/main" val="2954992492"/>
+        <p14:creationId xmlns:p14="http://schemas.microsoft.com/office/powerpoint/2010/main" val="528452175"/>
       </p:ext>
     </p:extLst>
   </p:cSld>
@@ -755,7 +755,7 @@
           <p:cNvPr id="2" name="标题 1">
             <a:extLst>
               <a:ext uri="{FF2B5EF4-FFF2-40B4-BE49-F238E27FC236}">
-                <a16:creationId xmlns:a16="http://schemas.microsoft.com/office/drawing/2014/main" id="{7E57CB06-B10E-4312-98F6-AA0E9BE35065}"/>
+                <a16:creationId xmlns:a16="http://schemas.microsoft.com/office/drawing/2014/main" id="{B5C83691-E073-260A-0814-6F3A78DAF5AE}"/>
               </a:ext>
             </a:extLst>
           </p:cNvPr>
@@ -783,7 +783,7 @@
           <p:cNvPr id="3" name="内容占位符 2">
             <a:extLst>
               <a:ext uri="{FF2B5EF4-FFF2-40B4-BE49-F238E27FC236}">
-                <a16:creationId xmlns:a16="http://schemas.microsoft.com/office/drawing/2014/main" id="{C348D241-7C49-9E6F-C652-9C8B16CBE3AA}"/>
+                <a16:creationId xmlns:a16="http://schemas.microsoft.com/office/drawing/2014/main" id="{7DF98F72-EBBF-84C9-0670-CF01C9B5B548}"/>
               </a:ext>
             </a:extLst>
           </p:cNvPr>
@@ -840,7 +840,7 @@
           <p:cNvPr id="4" name="日期占位符 3">
             <a:extLst>
               <a:ext uri="{FF2B5EF4-FFF2-40B4-BE49-F238E27FC236}">
-                <a16:creationId xmlns:a16="http://schemas.microsoft.com/office/drawing/2014/main" id="{9940AD78-3E13-8A19-184F-53359407DEE1}"/>
+                <a16:creationId xmlns:a16="http://schemas.microsoft.com/office/drawing/2014/main" id="{EA65BF34-3303-5F51-FD82-21A4A8AEC806}"/>
               </a:ext>
             </a:extLst>
           </p:cNvPr>
@@ -856,7 +856,7 @@
           <a:bodyPr/>
           <a:lstStyle/>
           <a:p>
-            <a:fld id="{2B78D1FD-E38E-40CD-B640-366317B19E61}" type="datetimeFigureOut">
+            <a:fld id="{873721EC-2D1A-4F30-8DCB-FD3648B95AE2}" type="datetimeFigureOut">
               <a:rPr lang="zh-CN" altLang="en-US" smtClean="0"/>
               <a:t>2024/3/10</a:t>
             </a:fld>
@@ -869,7 +869,7 @@
           <p:cNvPr id="5" name="页脚占位符 4">
             <a:extLst>
               <a:ext uri="{FF2B5EF4-FFF2-40B4-BE49-F238E27FC236}">
-                <a16:creationId xmlns:a16="http://schemas.microsoft.com/office/drawing/2014/main" id="{E892D3C1-FCE1-1FEA-7305-910096D6EC78}"/>
+                <a16:creationId xmlns:a16="http://schemas.microsoft.com/office/drawing/2014/main" id="{01447D54-867D-4247-8360-52AF588E5B37}"/>
               </a:ext>
             </a:extLst>
           </p:cNvPr>
@@ -894,7 +894,7 @@
           <p:cNvPr id="6" name="灯片编号占位符 5">
             <a:extLst>
               <a:ext uri="{FF2B5EF4-FFF2-40B4-BE49-F238E27FC236}">
-                <a16:creationId xmlns:a16="http://schemas.microsoft.com/office/drawing/2014/main" id="{0EAD80D5-3869-C652-D12B-D429E03C8D80}"/>
+                <a16:creationId xmlns:a16="http://schemas.microsoft.com/office/drawing/2014/main" id="{DCF856CA-78A2-9AE3-E717-894E22C89024}"/>
               </a:ext>
             </a:extLst>
           </p:cNvPr>
@@ -910,7 +910,7 @@
           <a:bodyPr/>
           <a:lstStyle/>
           <a:p>
-            <a:fld id="{A6C21640-FAED-4930-9CCF-36497B50AAB4}" type="slidenum">
+            <a:fld id="{6D801029-2E70-43AA-8523-ADCFD06D7D33}" type="slidenum">
               <a:rPr lang="zh-CN" altLang="en-US" smtClean="0"/>
               <a:t>‹#›</a:t>
             </a:fld>
@@ -921,7 +921,7 @@
     </p:spTree>
     <p:extLst>
       <p:ext uri="{BB962C8B-B14F-4D97-AF65-F5344CB8AC3E}">
-        <p14:creationId xmlns:p14="http://schemas.microsoft.com/office/powerpoint/2010/main" val="816710072"/>
+        <p14:creationId xmlns:p14="http://schemas.microsoft.com/office/powerpoint/2010/main" val="2892628283"/>
       </p:ext>
     </p:extLst>
   </p:cSld>
@@ -953,7 +953,7 @@
           <p:cNvPr id="2" name="标题 1">
             <a:extLst>
               <a:ext uri="{FF2B5EF4-FFF2-40B4-BE49-F238E27FC236}">
-                <a16:creationId xmlns:a16="http://schemas.microsoft.com/office/drawing/2014/main" id="{D5F87BAD-F71B-DA0E-D073-032D736A1FF1}"/>
+                <a16:creationId xmlns:a16="http://schemas.microsoft.com/office/drawing/2014/main" id="{A13ACCE3-1934-BEF4-C648-B3A7F100E186}"/>
               </a:ext>
             </a:extLst>
           </p:cNvPr>
@@ -990,7 +990,7 @@
           <p:cNvPr id="3" name="文本占位符 2">
             <a:extLst>
               <a:ext uri="{FF2B5EF4-FFF2-40B4-BE49-F238E27FC236}">
-                <a16:creationId xmlns:a16="http://schemas.microsoft.com/office/drawing/2014/main" id="{7C758126-1EA2-3B68-C030-6F1726D238DE}"/>
+                <a16:creationId xmlns:a16="http://schemas.microsoft.com/office/drawing/2014/main" id="{62008C4F-8741-3199-D675-B626E541F05A}"/>
               </a:ext>
             </a:extLst>
           </p:cNvPr>
@@ -1115,7 +1115,7 @@
           <p:cNvPr id="4" name="日期占位符 3">
             <a:extLst>
               <a:ext uri="{FF2B5EF4-FFF2-40B4-BE49-F238E27FC236}">
-                <a16:creationId xmlns:a16="http://schemas.microsoft.com/office/drawing/2014/main" id="{1F650B7F-F4A9-3D2B-8E96-B058806D33BF}"/>
+                <a16:creationId xmlns:a16="http://schemas.microsoft.com/office/drawing/2014/main" id="{91F95A4C-C0D4-D2DB-EBF9-78E7DED03758}"/>
               </a:ext>
             </a:extLst>
           </p:cNvPr>
@@ -1131,7 +1131,7 @@
           <a:bodyPr/>
           <a:lstStyle/>
           <a:p>
-            <a:fld id="{2B78D1FD-E38E-40CD-B640-366317B19E61}" type="datetimeFigureOut">
+            <a:fld id="{873721EC-2D1A-4F30-8DCB-FD3648B95AE2}" type="datetimeFigureOut">
               <a:rPr lang="zh-CN" altLang="en-US" smtClean="0"/>
               <a:t>2024/3/10</a:t>
             </a:fld>
@@ -1144,7 +1144,7 @@
           <p:cNvPr id="5" name="页脚占位符 4">
             <a:extLst>
               <a:ext uri="{FF2B5EF4-FFF2-40B4-BE49-F238E27FC236}">
-                <a16:creationId xmlns:a16="http://schemas.microsoft.com/office/drawing/2014/main" id="{48EFDEF5-78C6-B43A-7C0F-8CC1B64FEB83}"/>
+                <a16:creationId xmlns:a16="http://schemas.microsoft.com/office/drawing/2014/main" id="{88713D01-FED0-D558-9523-5710552C3C24}"/>
               </a:ext>
             </a:extLst>
           </p:cNvPr>
@@ -1169,7 +1169,7 @@
           <p:cNvPr id="6" name="灯片编号占位符 5">
             <a:extLst>
               <a:ext uri="{FF2B5EF4-FFF2-40B4-BE49-F238E27FC236}">
-                <a16:creationId xmlns:a16="http://schemas.microsoft.com/office/drawing/2014/main" id="{B4CEA265-C176-45F4-53FE-AC3D9A79DDD5}"/>
+                <a16:creationId xmlns:a16="http://schemas.microsoft.com/office/drawing/2014/main" id="{4741E23D-DB7A-47AF-E24F-300AA64CB104}"/>
               </a:ext>
             </a:extLst>
           </p:cNvPr>
@@ -1185,7 +1185,7 @@
           <a:bodyPr/>
           <a:lstStyle/>
           <a:p>
-            <a:fld id="{A6C21640-FAED-4930-9CCF-36497B50AAB4}" type="slidenum">
+            <a:fld id="{6D801029-2E70-43AA-8523-ADCFD06D7D33}" type="slidenum">
               <a:rPr lang="zh-CN" altLang="en-US" smtClean="0"/>
               <a:t>‹#›</a:t>
             </a:fld>
@@ -1196,7 +1196,7 @@
     </p:spTree>
     <p:extLst>
       <p:ext uri="{BB962C8B-B14F-4D97-AF65-F5344CB8AC3E}">
-        <p14:creationId xmlns:p14="http://schemas.microsoft.com/office/powerpoint/2010/main" val="472198180"/>
+        <p14:creationId xmlns:p14="http://schemas.microsoft.com/office/powerpoint/2010/main" val="3193147730"/>
       </p:ext>
     </p:extLst>
   </p:cSld>
@@ -1228,7 +1228,7 @@
           <p:cNvPr id="2" name="标题 1">
             <a:extLst>
               <a:ext uri="{FF2B5EF4-FFF2-40B4-BE49-F238E27FC236}">
-                <a16:creationId xmlns:a16="http://schemas.microsoft.com/office/drawing/2014/main" id="{BC699DC3-B505-4116-F1D5-4F00A6915468}"/>
+                <a16:creationId xmlns:a16="http://schemas.microsoft.com/office/drawing/2014/main" id="{09E53551-9FB5-BB22-55F8-717F4087F771}"/>
               </a:ext>
             </a:extLst>
           </p:cNvPr>
@@ -1256,7 +1256,7 @@
           <p:cNvPr id="3" name="内容占位符 2">
             <a:extLst>
               <a:ext uri="{FF2B5EF4-FFF2-40B4-BE49-F238E27FC236}">
-                <a16:creationId xmlns:a16="http://schemas.microsoft.com/office/drawing/2014/main" id="{B0FA3211-3C11-A356-1BFD-50E558FA2654}"/>
+                <a16:creationId xmlns:a16="http://schemas.microsoft.com/office/drawing/2014/main" id="{A4E667D2-B5B6-E6B9-B360-8C08B55D5D68}"/>
               </a:ext>
             </a:extLst>
           </p:cNvPr>
@@ -1318,7 +1318,7 @@
           <p:cNvPr id="4" name="内容占位符 3">
             <a:extLst>
               <a:ext uri="{FF2B5EF4-FFF2-40B4-BE49-F238E27FC236}">
-                <a16:creationId xmlns:a16="http://schemas.microsoft.com/office/drawing/2014/main" id="{186054D7-1B0A-0982-8240-C449B9E18A33}"/>
+                <a16:creationId xmlns:a16="http://schemas.microsoft.com/office/drawing/2014/main" id="{8715AAFE-502D-A61A-0C55-CBD546DB2CA3}"/>
               </a:ext>
             </a:extLst>
           </p:cNvPr>
@@ -1380,7 +1380,7 @@
           <p:cNvPr id="5" name="日期占位符 4">
             <a:extLst>
               <a:ext uri="{FF2B5EF4-FFF2-40B4-BE49-F238E27FC236}">
-                <a16:creationId xmlns:a16="http://schemas.microsoft.com/office/drawing/2014/main" id="{251C7E4A-8296-F2B8-3558-B8685AB1397C}"/>
+                <a16:creationId xmlns:a16="http://schemas.microsoft.com/office/drawing/2014/main" id="{5B36E3FC-4528-B6AF-AA7C-4FF9AB61C0B5}"/>
               </a:ext>
             </a:extLst>
           </p:cNvPr>
@@ -1396,7 +1396,7 @@
           <a:bodyPr/>
           <a:lstStyle/>
           <a:p>
-            <a:fld id="{2B78D1FD-E38E-40CD-B640-366317B19E61}" type="datetimeFigureOut">
+            <a:fld id="{873721EC-2D1A-4F30-8DCB-FD3648B95AE2}" type="datetimeFigureOut">
               <a:rPr lang="zh-CN" altLang="en-US" smtClean="0"/>
               <a:t>2024/3/10</a:t>
             </a:fld>
@@ -1409,7 +1409,7 @@
           <p:cNvPr id="6" name="页脚占位符 5">
             <a:extLst>
               <a:ext uri="{FF2B5EF4-FFF2-40B4-BE49-F238E27FC236}">
-                <a16:creationId xmlns:a16="http://schemas.microsoft.com/office/drawing/2014/main" id="{0C2A4526-626C-E258-7E8A-8608044BE25A}"/>
+                <a16:creationId xmlns:a16="http://schemas.microsoft.com/office/drawing/2014/main" id="{A677C72C-9E1F-A7B8-E35D-EF306BE9E240}"/>
               </a:ext>
             </a:extLst>
           </p:cNvPr>
@@ -1434,7 +1434,7 @@
           <p:cNvPr id="7" name="灯片编号占位符 6">
             <a:extLst>
               <a:ext uri="{FF2B5EF4-FFF2-40B4-BE49-F238E27FC236}">
-                <a16:creationId xmlns:a16="http://schemas.microsoft.com/office/drawing/2014/main" id="{551743FC-F05C-B5E6-4CE0-E4AB239811D2}"/>
+                <a16:creationId xmlns:a16="http://schemas.microsoft.com/office/drawing/2014/main" id="{F780B7FB-3BD0-1792-79D2-2FAD97C13C92}"/>
               </a:ext>
             </a:extLst>
           </p:cNvPr>
@@ -1450,7 +1450,7 @@
           <a:bodyPr/>
           <a:lstStyle/>
           <a:p>
-            <a:fld id="{A6C21640-FAED-4930-9CCF-36497B50AAB4}" type="slidenum">
+            <a:fld id="{6D801029-2E70-43AA-8523-ADCFD06D7D33}" type="slidenum">
               <a:rPr lang="zh-CN" altLang="en-US" smtClean="0"/>
               <a:t>‹#›</a:t>
             </a:fld>
@@ -1461,7 +1461,7 @@
     </p:spTree>
     <p:extLst>
       <p:ext uri="{BB962C8B-B14F-4D97-AF65-F5344CB8AC3E}">
-        <p14:creationId xmlns:p14="http://schemas.microsoft.com/office/powerpoint/2010/main" val="3125410235"/>
+        <p14:creationId xmlns:p14="http://schemas.microsoft.com/office/powerpoint/2010/main" val="2352124111"/>
       </p:ext>
     </p:extLst>
   </p:cSld>
@@ -1493,7 +1493,7 @@
           <p:cNvPr id="2" name="标题 1">
             <a:extLst>
               <a:ext uri="{FF2B5EF4-FFF2-40B4-BE49-F238E27FC236}">
-                <a16:creationId xmlns:a16="http://schemas.microsoft.com/office/drawing/2014/main" id="{D502D2B8-1E04-319A-D63D-4D9FE733BA9A}"/>
+                <a16:creationId xmlns:a16="http://schemas.microsoft.com/office/drawing/2014/main" id="{561D0673-4DB0-B339-F664-6A5037E82C04}"/>
               </a:ext>
             </a:extLst>
           </p:cNvPr>
@@ -1526,7 +1526,7 @@
           <p:cNvPr id="3" name="文本占位符 2">
             <a:extLst>
               <a:ext uri="{FF2B5EF4-FFF2-40B4-BE49-F238E27FC236}">
-                <a16:creationId xmlns:a16="http://schemas.microsoft.com/office/drawing/2014/main" id="{DE9FBCE4-6AFC-1C31-15E0-4D671EBA9DC6}"/>
+                <a16:creationId xmlns:a16="http://schemas.microsoft.com/office/drawing/2014/main" id="{2562E370-5B06-7C64-8F6D-4F13964D3806}"/>
               </a:ext>
             </a:extLst>
           </p:cNvPr>
@@ -1597,7 +1597,7 @@
           <p:cNvPr id="4" name="内容占位符 3">
             <a:extLst>
               <a:ext uri="{FF2B5EF4-FFF2-40B4-BE49-F238E27FC236}">
-                <a16:creationId xmlns:a16="http://schemas.microsoft.com/office/drawing/2014/main" id="{90E33E18-BF85-6C57-E451-539A88011627}"/>
+                <a16:creationId xmlns:a16="http://schemas.microsoft.com/office/drawing/2014/main" id="{DC38A4C5-15A9-DC57-E731-909E5B1F60DB}"/>
               </a:ext>
             </a:extLst>
           </p:cNvPr>
@@ -1659,7 +1659,7 @@
           <p:cNvPr id="5" name="文本占位符 4">
             <a:extLst>
               <a:ext uri="{FF2B5EF4-FFF2-40B4-BE49-F238E27FC236}">
-                <a16:creationId xmlns:a16="http://schemas.microsoft.com/office/drawing/2014/main" id="{53489BFB-2284-35B8-9435-658C1F281ABB}"/>
+                <a16:creationId xmlns:a16="http://schemas.microsoft.com/office/drawing/2014/main" id="{A8959F4B-2A7C-2722-4096-E7B032282228}"/>
               </a:ext>
             </a:extLst>
           </p:cNvPr>
@@ -1730,7 +1730,7 @@
           <p:cNvPr id="6" name="内容占位符 5">
             <a:extLst>
               <a:ext uri="{FF2B5EF4-FFF2-40B4-BE49-F238E27FC236}">
-                <a16:creationId xmlns:a16="http://schemas.microsoft.com/office/drawing/2014/main" id="{F3245168-9C74-05F3-FFC1-A771D618261A}"/>
+                <a16:creationId xmlns:a16="http://schemas.microsoft.com/office/drawing/2014/main" id="{04E21D3F-92D3-B7BE-94FF-ABFAF3B45163}"/>
               </a:ext>
             </a:extLst>
           </p:cNvPr>
@@ -1792,7 +1792,7 @@
           <p:cNvPr id="7" name="日期占位符 6">
             <a:extLst>
               <a:ext uri="{FF2B5EF4-FFF2-40B4-BE49-F238E27FC236}">
-                <a16:creationId xmlns:a16="http://schemas.microsoft.com/office/drawing/2014/main" id="{D9FD76A0-2581-9B84-5A9B-0F7A3CB5F8F3}"/>
+                <a16:creationId xmlns:a16="http://schemas.microsoft.com/office/drawing/2014/main" id="{FD7C95AD-BF84-4929-C004-CD5A436E3F05}"/>
               </a:ext>
             </a:extLst>
           </p:cNvPr>
@@ -1808,7 +1808,7 @@
           <a:bodyPr/>
           <a:lstStyle/>
           <a:p>
-            <a:fld id="{2B78D1FD-E38E-40CD-B640-366317B19E61}" type="datetimeFigureOut">
+            <a:fld id="{873721EC-2D1A-4F30-8DCB-FD3648B95AE2}" type="datetimeFigureOut">
               <a:rPr lang="zh-CN" altLang="en-US" smtClean="0"/>
               <a:t>2024/3/10</a:t>
             </a:fld>
@@ -1821,7 +1821,7 @@
           <p:cNvPr id="8" name="页脚占位符 7">
             <a:extLst>
               <a:ext uri="{FF2B5EF4-FFF2-40B4-BE49-F238E27FC236}">
-                <a16:creationId xmlns:a16="http://schemas.microsoft.com/office/drawing/2014/main" id="{EFD629F6-2181-535B-2C75-9EB77D15AD5F}"/>
+                <a16:creationId xmlns:a16="http://schemas.microsoft.com/office/drawing/2014/main" id="{3FCE1AEB-E89C-C75D-4402-20A1DC915F18}"/>
               </a:ext>
             </a:extLst>
           </p:cNvPr>
@@ -1846,7 +1846,7 @@
           <p:cNvPr id="9" name="灯片编号占位符 8">
             <a:extLst>
               <a:ext uri="{FF2B5EF4-FFF2-40B4-BE49-F238E27FC236}">
-                <a16:creationId xmlns:a16="http://schemas.microsoft.com/office/drawing/2014/main" id="{4DF2A2B2-31CC-E52E-6DA9-96EA27D38FA5}"/>
+                <a16:creationId xmlns:a16="http://schemas.microsoft.com/office/drawing/2014/main" id="{63B5EA04-B98B-A1E7-8700-8A96A9B2E94F}"/>
               </a:ext>
             </a:extLst>
           </p:cNvPr>
@@ -1862,7 +1862,7 @@
           <a:bodyPr/>
           <a:lstStyle/>
           <a:p>
-            <a:fld id="{A6C21640-FAED-4930-9CCF-36497B50AAB4}" type="slidenum">
+            <a:fld id="{6D801029-2E70-43AA-8523-ADCFD06D7D33}" type="slidenum">
               <a:rPr lang="zh-CN" altLang="en-US" smtClean="0"/>
               <a:t>‹#›</a:t>
             </a:fld>
@@ -1873,7 +1873,7 @@
     </p:spTree>
     <p:extLst>
       <p:ext uri="{BB962C8B-B14F-4D97-AF65-F5344CB8AC3E}">
-        <p14:creationId xmlns:p14="http://schemas.microsoft.com/office/powerpoint/2010/main" val="587023888"/>
+        <p14:creationId xmlns:p14="http://schemas.microsoft.com/office/powerpoint/2010/main" val="4267389100"/>
       </p:ext>
     </p:extLst>
   </p:cSld>
@@ -1905,7 +1905,7 @@
           <p:cNvPr id="2" name="标题 1">
             <a:extLst>
               <a:ext uri="{FF2B5EF4-FFF2-40B4-BE49-F238E27FC236}">
-                <a16:creationId xmlns:a16="http://schemas.microsoft.com/office/drawing/2014/main" id="{881148E2-D1FF-8E16-1EAA-4DCB39430FA9}"/>
+                <a16:creationId xmlns:a16="http://schemas.microsoft.com/office/drawing/2014/main" id="{DC0C99C4-847D-2ECF-7F4C-15A3BECBA603}"/>
               </a:ext>
             </a:extLst>
           </p:cNvPr>
@@ -1933,7 +1933,7 @@
           <p:cNvPr id="3" name="日期占位符 2">
             <a:extLst>
               <a:ext uri="{FF2B5EF4-FFF2-40B4-BE49-F238E27FC236}">
-                <a16:creationId xmlns:a16="http://schemas.microsoft.com/office/drawing/2014/main" id="{85E57668-0567-1202-DAE4-A4DA86878AE5}"/>
+                <a16:creationId xmlns:a16="http://schemas.microsoft.com/office/drawing/2014/main" id="{D072DB7D-C982-83FA-9FB4-1DD827BB6FCE}"/>
               </a:ext>
             </a:extLst>
           </p:cNvPr>
@@ -1949,7 +1949,7 @@
           <a:bodyPr/>
           <a:lstStyle/>
           <a:p>
-            <a:fld id="{2B78D1FD-E38E-40CD-B640-366317B19E61}" type="datetimeFigureOut">
+            <a:fld id="{873721EC-2D1A-4F30-8DCB-FD3648B95AE2}" type="datetimeFigureOut">
               <a:rPr lang="zh-CN" altLang="en-US" smtClean="0"/>
               <a:t>2024/3/10</a:t>
             </a:fld>
@@ -1962,7 +1962,7 @@
           <p:cNvPr id="4" name="页脚占位符 3">
             <a:extLst>
               <a:ext uri="{FF2B5EF4-FFF2-40B4-BE49-F238E27FC236}">
-                <a16:creationId xmlns:a16="http://schemas.microsoft.com/office/drawing/2014/main" id="{3A76FF08-3BB5-00D8-190E-4BB861D8BF44}"/>
+                <a16:creationId xmlns:a16="http://schemas.microsoft.com/office/drawing/2014/main" id="{8CACC280-F4BC-CC41-94C0-2304FF7CF9EF}"/>
               </a:ext>
             </a:extLst>
           </p:cNvPr>
@@ -1987,7 +1987,7 @@
           <p:cNvPr id="5" name="灯片编号占位符 4">
             <a:extLst>
               <a:ext uri="{FF2B5EF4-FFF2-40B4-BE49-F238E27FC236}">
-                <a16:creationId xmlns:a16="http://schemas.microsoft.com/office/drawing/2014/main" id="{A2C642EC-479E-E4F2-A632-A8B6459A6C33}"/>
+                <a16:creationId xmlns:a16="http://schemas.microsoft.com/office/drawing/2014/main" id="{E88BFBDF-6CE3-BAF3-7646-10FB5BF0AD02}"/>
               </a:ext>
             </a:extLst>
           </p:cNvPr>
@@ -2003,7 +2003,7 @@
           <a:bodyPr/>
           <a:lstStyle/>
           <a:p>
-            <a:fld id="{A6C21640-FAED-4930-9CCF-36497B50AAB4}" type="slidenum">
+            <a:fld id="{6D801029-2E70-43AA-8523-ADCFD06D7D33}" type="slidenum">
               <a:rPr lang="zh-CN" altLang="en-US" smtClean="0"/>
               <a:t>‹#›</a:t>
             </a:fld>
@@ -2014,7 +2014,7 @@
     </p:spTree>
     <p:extLst>
       <p:ext uri="{BB962C8B-B14F-4D97-AF65-F5344CB8AC3E}">
-        <p14:creationId xmlns:p14="http://schemas.microsoft.com/office/powerpoint/2010/main" val="1858823629"/>
+        <p14:creationId xmlns:p14="http://schemas.microsoft.com/office/powerpoint/2010/main" val="3629942500"/>
       </p:ext>
     </p:extLst>
   </p:cSld>
@@ -2046,7 +2046,7 @@
           <p:cNvPr id="2" name="日期占位符 1">
             <a:extLst>
               <a:ext uri="{FF2B5EF4-FFF2-40B4-BE49-F238E27FC236}">
-                <a16:creationId xmlns:a16="http://schemas.microsoft.com/office/drawing/2014/main" id="{6EF4B142-532D-3EDF-78F2-20CB7B8451D8}"/>
+                <a16:creationId xmlns:a16="http://schemas.microsoft.com/office/drawing/2014/main" id="{E252C369-6956-DB22-74A2-055704E96A6C}"/>
               </a:ext>
             </a:extLst>
           </p:cNvPr>
@@ -2062,7 +2062,7 @@
           <a:bodyPr/>
           <a:lstStyle/>
           <a:p>
-            <a:fld id="{2B78D1FD-E38E-40CD-B640-366317B19E61}" type="datetimeFigureOut">
+            <a:fld id="{873721EC-2D1A-4F30-8DCB-FD3648B95AE2}" type="datetimeFigureOut">
               <a:rPr lang="zh-CN" altLang="en-US" smtClean="0"/>
               <a:t>2024/3/10</a:t>
             </a:fld>
@@ -2075,7 +2075,7 @@
           <p:cNvPr id="3" name="页脚占位符 2">
             <a:extLst>
               <a:ext uri="{FF2B5EF4-FFF2-40B4-BE49-F238E27FC236}">
-                <a16:creationId xmlns:a16="http://schemas.microsoft.com/office/drawing/2014/main" id="{CEE72E23-FDCE-673A-FDD0-070EB9A6DDD5}"/>
+                <a16:creationId xmlns:a16="http://schemas.microsoft.com/office/drawing/2014/main" id="{1A861DA8-A0C2-2D1D-5ECA-772B639505B9}"/>
               </a:ext>
             </a:extLst>
           </p:cNvPr>
@@ -2100,7 +2100,7 @@
           <p:cNvPr id="4" name="灯片编号占位符 3">
             <a:extLst>
               <a:ext uri="{FF2B5EF4-FFF2-40B4-BE49-F238E27FC236}">
-                <a16:creationId xmlns:a16="http://schemas.microsoft.com/office/drawing/2014/main" id="{1906B9ED-6456-4712-A436-693BDD47DB51}"/>
+                <a16:creationId xmlns:a16="http://schemas.microsoft.com/office/drawing/2014/main" id="{EF3005D8-50AF-142D-9EA2-755B872D3028}"/>
               </a:ext>
             </a:extLst>
           </p:cNvPr>
@@ -2116,7 +2116,7 @@
           <a:bodyPr/>
           <a:lstStyle/>
           <a:p>
-            <a:fld id="{A6C21640-FAED-4930-9CCF-36497B50AAB4}" type="slidenum">
+            <a:fld id="{6D801029-2E70-43AA-8523-ADCFD06D7D33}" type="slidenum">
               <a:rPr lang="zh-CN" altLang="en-US" smtClean="0"/>
               <a:t>‹#›</a:t>
             </a:fld>
@@ -2127,7 +2127,7 @@
     </p:spTree>
     <p:extLst>
       <p:ext uri="{BB962C8B-B14F-4D97-AF65-F5344CB8AC3E}">
-        <p14:creationId xmlns:p14="http://schemas.microsoft.com/office/powerpoint/2010/main" val="4098821905"/>
+        <p14:creationId xmlns:p14="http://schemas.microsoft.com/office/powerpoint/2010/main" val="1658542646"/>
       </p:ext>
     </p:extLst>
   </p:cSld>
@@ -2159,7 +2159,7 @@
           <p:cNvPr id="2" name="标题 1">
             <a:extLst>
               <a:ext uri="{FF2B5EF4-FFF2-40B4-BE49-F238E27FC236}">
-                <a16:creationId xmlns:a16="http://schemas.microsoft.com/office/drawing/2014/main" id="{95DB7CD6-AA26-A4CC-1BD3-FAC90C2AD5E6}"/>
+                <a16:creationId xmlns:a16="http://schemas.microsoft.com/office/drawing/2014/main" id="{40A7D8FC-920E-B6CA-A89D-4A3FCE617769}"/>
               </a:ext>
             </a:extLst>
           </p:cNvPr>
@@ -2196,7 +2196,7 @@
           <p:cNvPr id="3" name="内容占位符 2">
             <a:extLst>
               <a:ext uri="{FF2B5EF4-FFF2-40B4-BE49-F238E27FC236}">
-                <a16:creationId xmlns:a16="http://schemas.microsoft.com/office/drawing/2014/main" id="{410D5C94-4461-A97B-2DE3-BF38ECD28937}"/>
+                <a16:creationId xmlns:a16="http://schemas.microsoft.com/office/drawing/2014/main" id="{A2962426-BE9D-BADA-5BF1-E023987FCFD7}"/>
               </a:ext>
             </a:extLst>
           </p:cNvPr>
@@ -2286,7 +2286,7 @@
           <p:cNvPr id="4" name="文本占位符 3">
             <a:extLst>
               <a:ext uri="{FF2B5EF4-FFF2-40B4-BE49-F238E27FC236}">
-                <a16:creationId xmlns:a16="http://schemas.microsoft.com/office/drawing/2014/main" id="{5645109C-A6F7-0AA0-104C-ACC1381CDC36}"/>
+                <a16:creationId xmlns:a16="http://schemas.microsoft.com/office/drawing/2014/main" id="{43B8489A-AA37-B1AF-9148-528B35A9ABDB}"/>
               </a:ext>
             </a:extLst>
           </p:cNvPr>
@@ -2357,7 +2357,7 @@
           <p:cNvPr id="5" name="日期占位符 4">
             <a:extLst>
               <a:ext uri="{FF2B5EF4-FFF2-40B4-BE49-F238E27FC236}">
-                <a16:creationId xmlns:a16="http://schemas.microsoft.com/office/drawing/2014/main" id="{FCDA0F45-8AF0-024C-21FF-BDEE2843D7C4}"/>
+                <a16:creationId xmlns:a16="http://schemas.microsoft.com/office/drawing/2014/main" id="{29627AF4-531B-07AB-8BCC-5A187246B277}"/>
               </a:ext>
             </a:extLst>
           </p:cNvPr>
@@ -2373,7 +2373,7 @@
           <a:bodyPr/>
           <a:lstStyle/>
           <a:p>
-            <a:fld id="{2B78D1FD-E38E-40CD-B640-366317B19E61}" type="datetimeFigureOut">
+            <a:fld id="{873721EC-2D1A-4F30-8DCB-FD3648B95AE2}" type="datetimeFigureOut">
               <a:rPr lang="zh-CN" altLang="en-US" smtClean="0"/>
               <a:t>2024/3/10</a:t>
             </a:fld>
@@ -2386,7 +2386,7 @@
           <p:cNvPr id="6" name="页脚占位符 5">
             <a:extLst>
               <a:ext uri="{FF2B5EF4-FFF2-40B4-BE49-F238E27FC236}">
-                <a16:creationId xmlns:a16="http://schemas.microsoft.com/office/drawing/2014/main" id="{38E56E20-DEA7-D25E-C665-DD0C27B0924A}"/>
+                <a16:creationId xmlns:a16="http://schemas.microsoft.com/office/drawing/2014/main" id="{97409F84-AA37-72DC-AE14-BEB8A138D113}"/>
               </a:ext>
             </a:extLst>
           </p:cNvPr>
@@ -2411,7 +2411,7 @@
           <p:cNvPr id="7" name="灯片编号占位符 6">
             <a:extLst>
               <a:ext uri="{FF2B5EF4-FFF2-40B4-BE49-F238E27FC236}">
-                <a16:creationId xmlns:a16="http://schemas.microsoft.com/office/drawing/2014/main" id="{80839BA3-2D23-5930-62E9-E16BA6E5B544}"/>
+                <a16:creationId xmlns:a16="http://schemas.microsoft.com/office/drawing/2014/main" id="{2105EA5E-67A5-5D5D-941A-20A445BB7588}"/>
               </a:ext>
             </a:extLst>
           </p:cNvPr>
@@ -2427,7 +2427,7 @@
           <a:bodyPr/>
           <a:lstStyle/>
           <a:p>
-            <a:fld id="{A6C21640-FAED-4930-9CCF-36497B50AAB4}" type="slidenum">
+            <a:fld id="{6D801029-2E70-43AA-8523-ADCFD06D7D33}" type="slidenum">
               <a:rPr lang="zh-CN" altLang="en-US" smtClean="0"/>
               <a:t>‹#›</a:t>
             </a:fld>
@@ -2438,7 +2438,7 @@
     </p:spTree>
     <p:extLst>
       <p:ext uri="{BB962C8B-B14F-4D97-AF65-F5344CB8AC3E}">
-        <p14:creationId xmlns:p14="http://schemas.microsoft.com/office/powerpoint/2010/main" val="3606668451"/>
+        <p14:creationId xmlns:p14="http://schemas.microsoft.com/office/powerpoint/2010/main" val="3966294939"/>
       </p:ext>
     </p:extLst>
   </p:cSld>
@@ -2470,7 +2470,7 @@
           <p:cNvPr id="2" name="标题 1">
             <a:extLst>
               <a:ext uri="{FF2B5EF4-FFF2-40B4-BE49-F238E27FC236}">
-                <a16:creationId xmlns:a16="http://schemas.microsoft.com/office/drawing/2014/main" id="{FD7A69A0-AFB2-54D6-B59C-BAD9A90B5D11}"/>
+                <a16:creationId xmlns:a16="http://schemas.microsoft.com/office/drawing/2014/main" id="{50931A49-770F-E99E-2CD9-198CC5F85D86}"/>
               </a:ext>
             </a:extLst>
           </p:cNvPr>
@@ -2507,7 +2507,7 @@
           <p:cNvPr id="3" name="图片占位符 2">
             <a:extLst>
               <a:ext uri="{FF2B5EF4-FFF2-40B4-BE49-F238E27FC236}">
-                <a16:creationId xmlns:a16="http://schemas.microsoft.com/office/drawing/2014/main" id="{E2887597-F0CD-8DD9-37D4-1C93B8A0C3D9}"/>
+                <a16:creationId xmlns:a16="http://schemas.microsoft.com/office/drawing/2014/main" id="{678D1F5F-6549-CD7E-2113-375BC087E6FB}"/>
               </a:ext>
             </a:extLst>
           </p:cNvPr>
@@ -2574,7 +2574,7 @@
           <p:cNvPr id="4" name="文本占位符 3">
             <a:extLst>
               <a:ext uri="{FF2B5EF4-FFF2-40B4-BE49-F238E27FC236}">
-                <a16:creationId xmlns:a16="http://schemas.microsoft.com/office/drawing/2014/main" id="{FE0AF297-EC09-FA0D-EB85-299ED87CDD4A}"/>
+                <a16:creationId xmlns:a16="http://schemas.microsoft.com/office/drawing/2014/main" id="{52387CF1-C4D3-CA5B-3604-B0B53D0617C6}"/>
               </a:ext>
             </a:extLst>
           </p:cNvPr>
@@ -2645,7 +2645,7 @@
           <p:cNvPr id="5" name="日期占位符 4">
             <a:extLst>
               <a:ext uri="{FF2B5EF4-FFF2-40B4-BE49-F238E27FC236}">
-                <a16:creationId xmlns:a16="http://schemas.microsoft.com/office/drawing/2014/main" id="{88AA8F77-027D-4168-EC87-08C57A6DAB2F}"/>
+                <a16:creationId xmlns:a16="http://schemas.microsoft.com/office/drawing/2014/main" id="{F92FFF14-B673-188C-8769-8198D9E78F08}"/>
               </a:ext>
             </a:extLst>
           </p:cNvPr>
@@ -2661,7 +2661,7 @@
           <a:bodyPr/>
           <a:lstStyle/>
           <a:p>
-            <a:fld id="{2B78D1FD-E38E-40CD-B640-366317B19E61}" type="datetimeFigureOut">
+            <a:fld id="{873721EC-2D1A-4F30-8DCB-FD3648B95AE2}" type="datetimeFigureOut">
               <a:rPr lang="zh-CN" altLang="en-US" smtClean="0"/>
               <a:t>2024/3/10</a:t>
             </a:fld>
@@ -2674,7 +2674,7 @@
           <p:cNvPr id="6" name="页脚占位符 5">
             <a:extLst>
               <a:ext uri="{FF2B5EF4-FFF2-40B4-BE49-F238E27FC236}">
-                <a16:creationId xmlns:a16="http://schemas.microsoft.com/office/drawing/2014/main" id="{64EB5D9E-650E-9C4F-74B0-31A949D07844}"/>
+                <a16:creationId xmlns:a16="http://schemas.microsoft.com/office/drawing/2014/main" id="{1665AFF6-F96B-55E6-3DB2-DD40B9D8E132}"/>
               </a:ext>
             </a:extLst>
           </p:cNvPr>
@@ -2699,7 +2699,7 @@
           <p:cNvPr id="7" name="灯片编号占位符 6">
             <a:extLst>
               <a:ext uri="{FF2B5EF4-FFF2-40B4-BE49-F238E27FC236}">
-                <a16:creationId xmlns:a16="http://schemas.microsoft.com/office/drawing/2014/main" id="{D14CEF70-268B-FD19-2144-BB5AEA21DED3}"/>
+                <a16:creationId xmlns:a16="http://schemas.microsoft.com/office/drawing/2014/main" id="{713F2304-CE97-4F29-D635-C2E9B66DE039}"/>
               </a:ext>
             </a:extLst>
           </p:cNvPr>
@@ -2715,7 +2715,7 @@
           <a:bodyPr/>
           <a:lstStyle/>
           <a:p>
-            <a:fld id="{A6C21640-FAED-4930-9CCF-36497B50AAB4}" type="slidenum">
+            <a:fld id="{6D801029-2E70-43AA-8523-ADCFD06D7D33}" type="slidenum">
               <a:rPr lang="zh-CN" altLang="en-US" smtClean="0"/>
               <a:t>‹#›</a:t>
             </a:fld>
@@ -2726,7 +2726,7 @@
     </p:spTree>
     <p:extLst>
       <p:ext uri="{BB962C8B-B14F-4D97-AF65-F5344CB8AC3E}">
-        <p14:creationId xmlns:p14="http://schemas.microsoft.com/office/powerpoint/2010/main" val="4070412625"/>
+        <p14:creationId xmlns:p14="http://schemas.microsoft.com/office/powerpoint/2010/main" val="3541509789"/>
       </p:ext>
     </p:extLst>
   </p:cSld>
@@ -2763,7 +2763,7 @@
           <p:cNvPr id="2" name="标题占位符 1">
             <a:extLst>
               <a:ext uri="{FF2B5EF4-FFF2-40B4-BE49-F238E27FC236}">
-                <a16:creationId xmlns:a16="http://schemas.microsoft.com/office/drawing/2014/main" id="{85F329C1-9931-2BDA-925F-6EC6C9EB1AEF}"/>
+                <a16:creationId xmlns:a16="http://schemas.microsoft.com/office/drawing/2014/main" id="{D854EA83-CECD-B3A7-E047-EBAF189C1324}"/>
               </a:ext>
             </a:extLst>
           </p:cNvPr>
@@ -2801,7 +2801,7 @@
           <p:cNvPr id="3" name="文本占位符 2">
             <a:extLst>
               <a:ext uri="{FF2B5EF4-FFF2-40B4-BE49-F238E27FC236}">
-                <a16:creationId xmlns:a16="http://schemas.microsoft.com/office/drawing/2014/main" id="{521C7E98-F874-671B-E2E9-EA5A7057E787}"/>
+                <a16:creationId xmlns:a16="http://schemas.microsoft.com/office/drawing/2014/main" id="{76D26DD0-02EC-8C84-2D6A-D24C85020ECE}"/>
               </a:ext>
             </a:extLst>
           </p:cNvPr>
@@ -2868,7 +2868,7 @@
           <p:cNvPr id="4" name="日期占位符 3">
             <a:extLst>
               <a:ext uri="{FF2B5EF4-FFF2-40B4-BE49-F238E27FC236}">
-                <a16:creationId xmlns:a16="http://schemas.microsoft.com/office/drawing/2014/main" id="{9B41575F-FDC6-EB60-A359-AF7BD823986F}"/>
+                <a16:creationId xmlns:a16="http://schemas.microsoft.com/office/drawing/2014/main" id="{A40F344A-AB22-023B-F5D7-B4DD0FAFC391}"/>
               </a:ext>
             </a:extLst>
           </p:cNvPr>
@@ -2902,7 +2902,7 @@
             </a:lvl1pPr>
           </a:lstStyle>
           <a:p>
-            <a:fld id="{2B78D1FD-E38E-40CD-B640-366317B19E61}" type="datetimeFigureOut">
+            <a:fld id="{873721EC-2D1A-4F30-8DCB-FD3648B95AE2}" type="datetimeFigureOut">
               <a:rPr lang="zh-CN" altLang="en-US" smtClean="0"/>
               <a:t>2024/3/10</a:t>
             </a:fld>
@@ -2915,7 +2915,7 @@
           <p:cNvPr id="5" name="页脚占位符 4">
             <a:extLst>
               <a:ext uri="{FF2B5EF4-FFF2-40B4-BE49-F238E27FC236}">
-                <a16:creationId xmlns:a16="http://schemas.microsoft.com/office/drawing/2014/main" id="{4D4AE998-158F-C9A1-04B1-2C5D13F8CF7B}"/>
+                <a16:creationId xmlns:a16="http://schemas.microsoft.com/office/drawing/2014/main" id="{33457FBC-5540-0313-EC95-2969E8D41629}"/>
               </a:ext>
             </a:extLst>
           </p:cNvPr>
@@ -2958,7 +2958,7 @@
           <p:cNvPr id="6" name="灯片编号占位符 5">
             <a:extLst>
               <a:ext uri="{FF2B5EF4-FFF2-40B4-BE49-F238E27FC236}">
-                <a16:creationId xmlns:a16="http://schemas.microsoft.com/office/drawing/2014/main" id="{A37CD22F-56D9-B327-1221-750CF0B3E3A0}"/>
+                <a16:creationId xmlns:a16="http://schemas.microsoft.com/office/drawing/2014/main" id="{8618C181-9993-1757-7ED6-8F9B11C9FEDA}"/>
               </a:ext>
             </a:extLst>
           </p:cNvPr>
@@ -2992,7 +2992,7 @@
             </a:lvl1pPr>
           </a:lstStyle>
           <a:p>
-            <a:fld id="{A6C21640-FAED-4930-9CCF-36497B50AAB4}" type="slidenum">
+            <a:fld id="{6D801029-2E70-43AA-8523-ADCFD06D7D33}" type="slidenum">
               <a:rPr lang="zh-CN" altLang="en-US" smtClean="0"/>
               <a:t>‹#›</a:t>
             </a:fld>
@@ -3003,7 +3003,7 @@
     </p:spTree>
     <p:extLst>
       <p:ext uri="{BB962C8B-B14F-4D97-AF65-F5344CB8AC3E}">
-        <p14:creationId xmlns:p14="http://schemas.microsoft.com/office/powerpoint/2010/main" val="3564397644"/>
+        <p14:creationId xmlns:p14="http://schemas.microsoft.com/office/powerpoint/2010/main" val="4154841980"/>
       </p:ext>
     </p:extLst>
   </p:cSld>
@@ -3323,7 +3323,7 @@
       </p:grpSpPr>
       <p:pic>
         <p:nvPicPr>
-          <p:cNvPr id="432130" name="Picture 2" descr="421"/>
+          <p:cNvPr id="433154" name="Picture 2" descr="422"/>
           <p:cNvPicPr>
             <a:picLocks noChangeAspect="1" noChangeArrowheads="1"/>
           </p:cNvPicPr>
